--- a/Bosch_Learning_Material/GIT_PPT/CC - GIT Migration Approach.pptx
+++ b/Bosch_Learning_Material/GIT_PPT/CC - GIT Migration Approach.pptx
@@ -208,7 +208,7 @@
           <a:p>
             <a:fld id="{F520D76B-5E70-4C03-8031-5636942EBD37}" type="datetimeFigureOut">
               <a:rPr lang="en-US" smtClean="0"/>
-              <a:t>8/23/2016</a:t>
+              <a:t>1/27/2021</a:t>
             </a:fld>
             <a:endParaRPr lang="en-US"/>
           </a:p>
@@ -374,7 +374,7 @@
           <a:p>
             <a:fld id="{5983D120-2A11-4276-83F1-CEFE073122D5}" type="datetimeFigureOut">
               <a:rPr lang="en-US" smtClean="0"/>
-              <a:t>8/23/2016</a:t>
+              <a:t>1/27/2021</a:t>
             </a:fld>
             <a:endParaRPr lang="en-US"/>
           </a:p>
@@ -438,38 +438,37 @@
           <a:p>
             <a:pPr lvl="0"/>
             <a:r>
-              <a:rPr lang="en-US" smtClean="0"/>
+              <a:rPr lang="en-US"/>
               <a:t>Click to edit Master text styles</a:t>
             </a:r>
           </a:p>
           <a:p>
             <a:pPr lvl="1"/>
             <a:r>
-              <a:rPr lang="en-US" smtClean="0"/>
+              <a:rPr lang="en-US"/>
               <a:t>Second level</a:t>
             </a:r>
           </a:p>
           <a:p>
             <a:pPr lvl="2"/>
             <a:r>
-              <a:rPr lang="en-US" smtClean="0"/>
+              <a:rPr lang="en-US"/>
               <a:t>Third level</a:t>
             </a:r>
           </a:p>
           <a:p>
             <a:pPr lvl="3"/>
             <a:r>
-              <a:rPr lang="en-US" smtClean="0"/>
+              <a:rPr lang="en-US"/>
               <a:t>Fourth level</a:t>
             </a:r>
           </a:p>
           <a:p>
             <a:pPr lvl="4"/>
             <a:r>
-              <a:rPr lang="en-US" smtClean="0"/>
+              <a:rPr lang="en-US"/>
               <a:t>Fifth level</a:t>
             </a:r>
-            <a:endParaRPr lang="en-US"/>
           </a:p>
         </p:txBody>
       </p:sp>
@@ -839,7 +838,7 @@
         <p:nvSpPr>
           <p:cNvPr id="6147" name="Rectangle 2"/>
           <p:cNvSpPr>
-            <a:spLocks noRot="1" noChangeArrowheads="1" noTextEdit="1"/>
+            <a:spLocks noGrp="1" noRot="1" noChangeAspect="1" noChangeArrowheads="1" noTextEdit="1"/>
           </p:cNvSpPr>
           <p:nvPr>
             <p:ph type="sldImg"/>
@@ -887,7 +886,7 @@
           <a:lstStyle/>
           <a:p>
             <a:pPr eaLnBrk="1" hangingPunct="1"/>
-            <a:endParaRPr lang="en-GB" altLang="en-US" smtClean="0"/>
+            <a:endParaRPr lang="en-GB" altLang="en-US"/>
           </a:p>
         </p:txBody>
       </p:sp>
@@ -1119,7 +1118,7 @@
         <p:nvSpPr>
           <p:cNvPr id="6147" name="Rectangle 2"/>
           <p:cNvSpPr>
-            <a:spLocks noRot="1" noChangeArrowheads="1" noTextEdit="1"/>
+            <a:spLocks noGrp="1" noRot="1" noChangeAspect="1" noChangeArrowheads="1" noTextEdit="1"/>
           </p:cNvSpPr>
           <p:nvPr>
             <p:ph type="sldImg"/>
@@ -1167,7 +1166,7 @@
           <a:lstStyle/>
           <a:p>
             <a:pPr eaLnBrk="1" hangingPunct="1"/>
-            <a:endParaRPr lang="en-GB" altLang="en-US" smtClean="0"/>
+            <a:endParaRPr lang="en-GB" altLang="en-US"/>
           </a:p>
         </p:txBody>
       </p:sp>
@@ -1400,7 +1399,7 @@
               </a:pPr>
               <a:t>3</a:t>
             </a:fld>
-            <a:endParaRPr lang="de-DE" altLang="en-US" smtClean="0">
+            <a:endParaRPr lang="de-DE" altLang="en-US">
               <a:solidFill>
                 <a:srgbClr val="000000"/>
               </a:solidFill>
@@ -1412,7 +1411,7 @@
         <p:nvSpPr>
           <p:cNvPr id="10243" name="Rectangle 2"/>
           <p:cNvSpPr>
-            <a:spLocks noRot="1" noChangeArrowheads="1" noTextEdit="1"/>
+            <a:spLocks noGrp="1" noRot="1" noChangeAspect="1" noChangeArrowheads="1" noTextEdit="1"/>
           </p:cNvSpPr>
           <p:nvPr>
             <p:ph type="sldImg"/>
@@ -1460,7 +1459,7 @@
           <a:lstStyle/>
           <a:p>
             <a:pPr eaLnBrk="1" hangingPunct="1"/>
-            <a:endParaRPr lang="en-GB" altLang="en-US" smtClean="0"/>
+            <a:endParaRPr lang="en-GB" altLang="en-US"/>
           </a:p>
         </p:txBody>
       </p:sp>
@@ -1716,7 +1715,7 @@
               </a:pPr>
               <a:t>4</a:t>
             </a:fld>
-            <a:endParaRPr lang="de-DE" altLang="en-US" smtClean="0">
+            <a:endParaRPr lang="de-DE" altLang="en-US">
               <a:solidFill>
                 <a:srgbClr val="000000"/>
               </a:solidFill>
@@ -1728,7 +1727,7 @@
         <p:nvSpPr>
           <p:cNvPr id="10243" name="Rectangle 2"/>
           <p:cNvSpPr>
-            <a:spLocks noRot="1" noChangeArrowheads="1" noTextEdit="1"/>
+            <a:spLocks noGrp="1" noRot="1" noChangeAspect="1" noChangeArrowheads="1" noTextEdit="1"/>
           </p:cNvSpPr>
           <p:nvPr>
             <p:ph type="sldImg"/>
@@ -1776,7 +1775,7 @@
           <a:lstStyle/>
           <a:p>
             <a:pPr eaLnBrk="1" hangingPunct="1"/>
-            <a:endParaRPr lang="en-GB" altLang="en-US" smtClean="0"/>
+            <a:endParaRPr lang="en-GB" altLang="en-US"/>
           </a:p>
         </p:txBody>
       </p:sp>
@@ -2032,7 +2031,7 @@
               </a:pPr>
               <a:t>5</a:t>
             </a:fld>
-            <a:endParaRPr lang="de-DE" altLang="en-US" smtClean="0">
+            <a:endParaRPr lang="de-DE" altLang="en-US">
               <a:solidFill>
                 <a:srgbClr val="000000"/>
               </a:solidFill>
@@ -2044,7 +2043,7 @@
         <p:nvSpPr>
           <p:cNvPr id="10243" name="Rectangle 2"/>
           <p:cNvSpPr>
-            <a:spLocks noRot="1" noChangeArrowheads="1" noTextEdit="1"/>
+            <a:spLocks noGrp="1" noRot="1" noChangeAspect="1" noChangeArrowheads="1" noTextEdit="1"/>
           </p:cNvSpPr>
           <p:nvPr>
             <p:ph type="sldImg"/>
@@ -2092,7 +2091,7 @@
           <a:lstStyle/>
           <a:p>
             <a:pPr eaLnBrk="1" hangingPunct="1"/>
-            <a:endParaRPr lang="en-GB" altLang="en-US" smtClean="0"/>
+            <a:endParaRPr lang="en-GB" altLang="en-US"/>
           </a:p>
         </p:txBody>
       </p:sp>
@@ -2348,7 +2347,7 @@
               </a:pPr>
               <a:t>6</a:t>
             </a:fld>
-            <a:endParaRPr lang="de-DE" altLang="en-US" smtClean="0">
+            <a:endParaRPr lang="de-DE" altLang="en-US">
               <a:solidFill>
                 <a:srgbClr val="000000"/>
               </a:solidFill>
@@ -2360,7 +2359,7 @@
         <p:nvSpPr>
           <p:cNvPr id="10243" name="Rectangle 2"/>
           <p:cNvSpPr>
-            <a:spLocks noRot="1" noChangeArrowheads="1" noTextEdit="1"/>
+            <a:spLocks noGrp="1" noRot="1" noChangeAspect="1" noChangeArrowheads="1" noTextEdit="1"/>
           </p:cNvSpPr>
           <p:nvPr>
             <p:ph type="sldImg"/>
@@ -2408,7 +2407,7 @@
           <a:lstStyle/>
           <a:p>
             <a:pPr eaLnBrk="1" hangingPunct="1"/>
-            <a:endParaRPr lang="en-GB" altLang="en-US" smtClean="0"/>
+            <a:endParaRPr lang="en-GB" altLang="en-US"/>
           </a:p>
         </p:txBody>
       </p:sp>
@@ -2664,7 +2663,7 @@
               </a:pPr>
               <a:t>7</a:t>
             </a:fld>
-            <a:endParaRPr lang="de-DE" altLang="en-US" smtClean="0">
+            <a:endParaRPr lang="de-DE" altLang="en-US">
               <a:solidFill>
                 <a:srgbClr val="000000"/>
               </a:solidFill>
@@ -2676,7 +2675,7 @@
         <p:nvSpPr>
           <p:cNvPr id="10243" name="Rectangle 2"/>
           <p:cNvSpPr>
-            <a:spLocks noRot="1" noChangeArrowheads="1" noTextEdit="1"/>
+            <a:spLocks noGrp="1" noRot="1" noChangeAspect="1" noChangeArrowheads="1" noTextEdit="1"/>
           </p:cNvSpPr>
           <p:nvPr>
             <p:ph type="sldImg"/>
@@ -2724,7 +2723,7 @@
           <a:lstStyle/>
           <a:p>
             <a:pPr eaLnBrk="1" hangingPunct="1"/>
-            <a:endParaRPr lang="en-GB" altLang="en-US" smtClean="0"/>
+            <a:endParaRPr lang="en-GB" altLang="en-US"/>
           </a:p>
         </p:txBody>
       </p:sp>
@@ -2980,7 +2979,7 @@
               </a:pPr>
               <a:t>8</a:t>
             </a:fld>
-            <a:endParaRPr lang="de-DE" altLang="en-US" smtClean="0">
+            <a:endParaRPr lang="de-DE" altLang="en-US">
               <a:solidFill>
                 <a:srgbClr val="000000"/>
               </a:solidFill>
@@ -2992,7 +2991,7 @@
         <p:nvSpPr>
           <p:cNvPr id="10243" name="Rectangle 2"/>
           <p:cNvSpPr>
-            <a:spLocks noRot="1" noChangeArrowheads="1" noTextEdit="1"/>
+            <a:spLocks noGrp="1" noRot="1" noChangeAspect="1" noChangeArrowheads="1" noTextEdit="1"/>
           </p:cNvSpPr>
           <p:nvPr>
             <p:ph type="sldImg"/>
@@ -3040,7 +3039,7 @@
           <a:lstStyle/>
           <a:p>
             <a:pPr eaLnBrk="1" hangingPunct="1"/>
-            <a:endParaRPr lang="en-GB" altLang="en-US" smtClean="0"/>
+            <a:endParaRPr lang="en-GB" altLang="en-US"/>
           </a:p>
         </p:txBody>
       </p:sp>
@@ -3296,7 +3295,7 @@
               </a:pPr>
               <a:t>9</a:t>
             </a:fld>
-            <a:endParaRPr lang="de-DE" altLang="en-US" smtClean="0">
+            <a:endParaRPr lang="de-DE" altLang="en-US">
               <a:solidFill>
                 <a:srgbClr val="000000"/>
               </a:solidFill>
@@ -3308,7 +3307,7 @@
         <p:nvSpPr>
           <p:cNvPr id="10243" name="Rectangle 2"/>
           <p:cNvSpPr>
-            <a:spLocks noRot="1" noChangeArrowheads="1" noTextEdit="1"/>
+            <a:spLocks noGrp="1" noRot="1" noChangeAspect="1" noChangeArrowheads="1" noTextEdit="1"/>
           </p:cNvSpPr>
           <p:nvPr>
             <p:ph type="sldImg"/>
@@ -3356,7 +3355,7 @@
           <a:lstStyle/>
           <a:p>
             <a:pPr eaLnBrk="1" hangingPunct="1"/>
-            <a:endParaRPr lang="en-GB" altLang="en-US" smtClean="0"/>
+            <a:endParaRPr lang="en-GB" altLang="en-US"/>
           </a:p>
         </p:txBody>
       </p:sp>
@@ -3638,7 +3637,7 @@
                 <a:spcPct val="0"/>
               </a:spcAft>
             </a:pPr>
-            <a:endParaRPr lang="en-US" altLang="en-US" sz="2000" smtClean="0">
+            <a:endParaRPr lang="en-US" altLang="en-US" sz="2000">
               <a:solidFill>
                 <a:srgbClr val="153B63"/>
               </a:solidFill>
@@ -3753,7 +3752,7 @@
                 <a:spcPct val="0"/>
               </a:spcAft>
             </a:pPr>
-            <a:endParaRPr lang="en-US" sz="2000" smtClean="0">
+            <a:endParaRPr lang="en-US" sz="2000">
               <a:solidFill>
                 <a:srgbClr val="000000"/>
               </a:solidFill>
@@ -3810,7 +3809,7 @@
                 <a:spcPct val="0"/>
               </a:spcAft>
             </a:pPr>
-            <a:endParaRPr lang="en-US" sz="2000" smtClean="0">
+            <a:endParaRPr lang="en-US" sz="2000">
               <a:solidFill>
                 <a:srgbClr val="000000"/>
               </a:solidFill>
@@ -3962,7 +3961,7 @@
           <a:lstStyle/>
           <a:p>
             <a:r>
-              <a:rPr lang="en-US" smtClean="0"/>
+              <a:rPr lang="en-US"/>
               <a:t>Click to edit Master title style</a:t>
             </a:r>
             <a:endParaRPr lang="de-DE"/>
@@ -3986,35 +3985,35 @@
           <a:p>
             <a:pPr lvl="0"/>
             <a:r>
-              <a:rPr lang="en-US" smtClean="0"/>
+              <a:rPr lang="en-US"/>
               <a:t>Click to edit Master text styles</a:t>
             </a:r>
           </a:p>
           <a:p>
             <a:pPr lvl="1"/>
             <a:r>
-              <a:rPr lang="en-US" smtClean="0"/>
+              <a:rPr lang="en-US"/>
               <a:t>Second level</a:t>
             </a:r>
           </a:p>
           <a:p>
             <a:pPr lvl="2"/>
             <a:r>
-              <a:rPr lang="en-US" smtClean="0"/>
+              <a:rPr lang="en-US"/>
               <a:t>Third level</a:t>
             </a:r>
           </a:p>
           <a:p>
             <a:pPr lvl="3"/>
             <a:r>
-              <a:rPr lang="en-US" smtClean="0"/>
+              <a:rPr lang="en-US"/>
               <a:t>Fourth level</a:t>
             </a:r>
           </a:p>
           <a:p>
             <a:pPr lvl="4"/>
             <a:r>
-              <a:rPr lang="en-US" smtClean="0"/>
+              <a:rPr lang="en-US"/>
               <a:t>Fifth level</a:t>
             </a:r>
             <a:endParaRPr lang="de-DE"/>
@@ -4110,7 +4109,7 @@
           <a:lstStyle/>
           <a:p>
             <a:r>
-              <a:rPr lang="en-US" smtClean="0"/>
+              <a:rPr lang="en-US"/>
               <a:t>Click to edit Master title style</a:t>
             </a:r>
             <a:endParaRPr lang="de-DE"/>
@@ -4139,35 +4138,35 @@
           <a:p>
             <a:pPr lvl="0"/>
             <a:r>
-              <a:rPr lang="en-US" smtClean="0"/>
+              <a:rPr lang="en-US"/>
               <a:t>Click to edit Master text styles</a:t>
             </a:r>
           </a:p>
           <a:p>
             <a:pPr lvl="1"/>
             <a:r>
-              <a:rPr lang="en-US" smtClean="0"/>
+              <a:rPr lang="en-US"/>
               <a:t>Second level</a:t>
             </a:r>
           </a:p>
           <a:p>
             <a:pPr lvl="2"/>
             <a:r>
-              <a:rPr lang="en-US" smtClean="0"/>
+              <a:rPr lang="en-US"/>
               <a:t>Third level</a:t>
             </a:r>
           </a:p>
           <a:p>
             <a:pPr lvl="3"/>
             <a:r>
-              <a:rPr lang="en-US" smtClean="0"/>
+              <a:rPr lang="en-US"/>
               <a:t>Fourth level</a:t>
             </a:r>
           </a:p>
           <a:p>
             <a:pPr lvl="4"/>
             <a:r>
-              <a:rPr lang="en-US" smtClean="0"/>
+              <a:rPr lang="en-US"/>
               <a:t>Fifth level</a:t>
             </a:r>
             <a:endParaRPr lang="de-DE"/>
@@ -4258,7 +4257,7 @@
           <a:lstStyle/>
           <a:p>
             <a:r>
-              <a:rPr lang="en-US" smtClean="0"/>
+              <a:rPr lang="en-US"/>
               <a:t>Click to edit Master title style</a:t>
             </a:r>
             <a:endParaRPr lang="de-DE"/>
@@ -4282,35 +4281,35 @@
           <a:p>
             <a:pPr lvl="0"/>
             <a:r>
-              <a:rPr lang="en-US" smtClean="0"/>
+              <a:rPr lang="en-US"/>
               <a:t>Click to edit Master text styles</a:t>
             </a:r>
           </a:p>
           <a:p>
             <a:pPr lvl="1"/>
             <a:r>
-              <a:rPr lang="en-US" smtClean="0"/>
+              <a:rPr lang="en-US"/>
               <a:t>Second level</a:t>
             </a:r>
           </a:p>
           <a:p>
             <a:pPr lvl="2"/>
             <a:r>
-              <a:rPr lang="en-US" smtClean="0"/>
+              <a:rPr lang="en-US"/>
               <a:t>Third level</a:t>
             </a:r>
           </a:p>
           <a:p>
             <a:pPr lvl="3"/>
             <a:r>
-              <a:rPr lang="en-US" smtClean="0"/>
+              <a:rPr lang="en-US"/>
               <a:t>Fourth level</a:t>
             </a:r>
           </a:p>
           <a:p>
             <a:pPr lvl="4"/>
             <a:r>
-              <a:rPr lang="en-US" smtClean="0"/>
+              <a:rPr lang="en-US"/>
               <a:t>Fifth level</a:t>
             </a:r>
             <a:endParaRPr lang="de-DE"/>
@@ -4410,7 +4409,7 @@
           </a:lstStyle>
           <a:p>
             <a:r>
-              <a:rPr lang="en-US" smtClean="0"/>
+              <a:rPr lang="en-US"/>
               <a:t>Click to edit Master title style</a:t>
             </a:r>
             <a:endParaRPr lang="de-DE"/>
@@ -4476,7 +4475,7 @@
           <a:p>
             <a:pPr lvl="0"/>
             <a:r>
-              <a:rPr lang="en-US" smtClean="0"/>
+              <a:rPr lang="en-US"/>
               <a:t>Click to edit Master text styles</a:t>
             </a:r>
           </a:p>
@@ -4566,7 +4565,7 @@
           <a:lstStyle/>
           <a:p>
             <a:r>
-              <a:rPr lang="en-US" smtClean="0"/>
+              <a:rPr lang="en-US"/>
               <a:t>Click to edit Master title style</a:t>
             </a:r>
             <a:endParaRPr lang="de-DE"/>
@@ -4623,35 +4622,35 @@
           <a:p>
             <a:pPr lvl="0"/>
             <a:r>
-              <a:rPr lang="en-US" smtClean="0"/>
+              <a:rPr lang="en-US"/>
               <a:t>Click to edit Master text styles</a:t>
             </a:r>
           </a:p>
           <a:p>
             <a:pPr lvl="1"/>
             <a:r>
-              <a:rPr lang="en-US" smtClean="0"/>
+              <a:rPr lang="en-US"/>
               <a:t>Second level</a:t>
             </a:r>
           </a:p>
           <a:p>
             <a:pPr lvl="2"/>
             <a:r>
-              <a:rPr lang="en-US" smtClean="0"/>
+              <a:rPr lang="en-US"/>
               <a:t>Third level</a:t>
             </a:r>
           </a:p>
           <a:p>
             <a:pPr lvl="3"/>
             <a:r>
-              <a:rPr lang="en-US" smtClean="0"/>
+              <a:rPr lang="en-US"/>
               <a:t>Fourth level</a:t>
             </a:r>
           </a:p>
           <a:p>
             <a:pPr lvl="4"/>
             <a:r>
-              <a:rPr lang="en-US" smtClean="0"/>
+              <a:rPr lang="en-US"/>
               <a:t>Fifth level</a:t>
             </a:r>
             <a:endParaRPr lang="de-DE"/>
@@ -4708,35 +4707,35 @@
           <a:p>
             <a:pPr lvl="0"/>
             <a:r>
-              <a:rPr lang="en-US" smtClean="0"/>
+              <a:rPr lang="en-US"/>
               <a:t>Click to edit Master text styles</a:t>
             </a:r>
           </a:p>
           <a:p>
             <a:pPr lvl="1"/>
             <a:r>
-              <a:rPr lang="en-US" smtClean="0"/>
+              <a:rPr lang="en-US"/>
               <a:t>Second level</a:t>
             </a:r>
           </a:p>
           <a:p>
             <a:pPr lvl="2"/>
             <a:r>
-              <a:rPr lang="en-US" smtClean="0"/>
+              <a:rPr lang="en-US"/>
               <a:t>Third level</a:t>
             </a:r>
           </a:p>
           <a:p>
             <a:pPr lvl="3"/>
             <a:r>
-              <a:rPr lang="en-US" smtClean="0"/>
+              <a:rPr lang="en-US"/>
               <a:t>Fourth level</a:t>
             </a:r>
           </a:p>
           <a:p>
             <a:pPr lvl="4"/>
             <a:r>
-              <a:rPr lang="en-US" smtClean="0"/>
+              <a:rPr lang="en-US"/>
               <a:t>Fifth level</a:t>
             </a:r>
             <a:endParaRPr lang="de-DE"/>
@@ -4836,7 +4835,7 @@
           </a:lstStyle>
           <a:p>
             <a:r>
-              <a:rPr lang="en-US" smtClean="0"/>
+              <a:rPr lang="en-US"/>
               <a:t>Click to edit Master title style</a:t>
             </a:r>
             <a:endParaRPr lang="de-DE"/>
@@ -4902,7 +4901,7 @@
           <a:p>
             <a:pPr lvl="0"/>
             <a:r>
-              <a:rPr lang="en-US" smtClean="0"/>
+              <a:rPr lang="en-US"/>
               <a:t>Click to edit Master text styles</a:t>
             </a:r>
           </a:p>
@@ -4958,35 +4957,35 @@
           <a:p>
             <a:pPr lvl="0"/>
             <a:r>
-              <a:rPr lang="en-US" smtClean="0"/>
+              <a:rPr lang="en-US"/>
               <a:t>Click to edit Master text styles</a:t>
             </a:r>
           </a:p>
           <a:p>
             <a:pPr lvl="1"/>
             <a:r>
-              <a:rPr lang="en-US" smtClean="0"/>
+              <a:rPr lang="en-US"/>
               <a:t>Second level</a:t>
             </a:r>
           </a:p>
           <a:p>
             <a:pPr lvl="2"/>
             <a:r>
-              <a:rPr lang="en-US" smtClean="0"/>
+              <a:rPr lang="en-US"/>
               <a:t>Third level</a:t>
             </a:r>
           </a:p>
           <a:p>
             <a:pPr lvl="3"/>
             <a:r>
-              <a:rPr lang="en-US" smtClean="0"/>
+              <a:rPr lang="en-US"/>
               <a:t>Fourth level</a:t>
             </a:r>
           </a:p>
           <a:p>
             <a:pPr lvl="4"/>
             <a:r>
-              <a:rPr lang="en-US" smtClean="0"/>
+              <a:rPr lang="en-US"/>
               <a:t>Fifth level</a:t>
             </a:r>
             <a:endParaRPr lang="de-DE"/>
@@ -5052,7 +5051,7 @@
           <a:p>
             <a:pPr lvl="0"/>
             <a:r>
-              <a:rPr lang="en-US" smtClean="0"/>
+              <a:rPr lang="en-US"/>
               <a:t>Click to edit Master text styles</a:t>
             </a:r>
           </a:p>
@@ -5108,35 +5107,35 @@
           <a:p>
             <a:pPr lvl="0"/>
             <a:r>
-              <a:rPr lang="en-US" smtClean="0"/>
+              <a:rPr lang="en-US"/>
               <a:t>Click to edit Master text styles</a:t>
             </a:r>
           </a:p>
           <a:p>
             <a:pPr lvl="1"/>
             <a:r>
-              <a:rPr lang="en-US" smtClean="0"/>
+              <a:rPr lang="en-US"/>
               <a:t>Second level</a:t>
             </a:r>
           </a:p>
           <a:p>
             <a:pPr lvl="2"/>
             <a:r>
-              <a:rPr lang="en-US" smtClean="0"/>
+              <a:rPr lang="en-US"/>
               <a:t>Third level</a:t>
             </a:r>
           </a:p>
           <a:p>
             <a:pPr lvl="3"/>
             <a:r>
-              <a:rPr lang="en-US" smtClean="0"/>
+              <a:rPr lang="en-US"/>
               <a:t>Fourth level</a:t>
             </a:r>
           </a:p>
           <a:p>
             <a:pPr lvl="4"/>
             <a:r>
-              <a:rPr lang="en-US" smtClean="0"/>
+              <a:rPr lang="en-US"/>
               <a:t>Fifth level</a:t>
             </a:r>
             <a:endParaRPr lang="de-DE"/>
@@ -5227,7 +5226,7 @@
           <a:lstStyle/>
           <a:p>
             <a:r>
-              <a:rPr lang="en-US" smtClean="0"/>
+              <a:rPr lang="en-US"/>
               <a:t>Click to edit Master title style</a:t>
             </a:r>
             <a:endParaRPr lang="de-DE"/>
@@ -5395,7 +5394,7 @@
           </a:lstStyle>
           <a:p>
             <a:r>
-              <a:rPr lang="en-US" smtClean="0"/>
+              <a:rPr lang="en-US"/>
               <a:t>Click to edit Master title style</a:t>
             </a:r>
             <a:endParaRPr lang="de-DE"/>
@@ -5452,35 +5451,35 @@
           <a:p>
             <a:pPr lvl="0"/>
             <a:r>
-              <a:rPr lang="en-US" smtClean="0"/>
+              <a:rPr lang="en-US"/>
               <a:t>Click to edit Master text styles</a:t>
             </a:r>
           </a:p>
           <a:p>
             <a:pPr lvl="1"/>
             <a:r>
-              <a:rPr lang="en-US" smtClean="0"/>
+              <a:rPr lang="en-US"/>
               <a:t>Second level</a:t>
             </a:r>
           </a:p>
           <a:p>
             <a:pPr lvl="2"/>
             <a:r>
-              <a:rPr lang="en-US" smtClean="0"/>
+              <a:rPr lang="en-US"/>
               <a:t>Third level</a:t>
             </a:r>
           </a:p>
           <a:p>
             <a:pPr lvl="3"/>
             <a:r>
-              <a:rPr lang="en-US" smtClean="0"/>
+              <a:rPr lang="en-US"/>
               <a:t>Fourth level</a:t>
             </a:r>
           </a:p>
           <a:p>
             <a:pPr lvl="4"/>
             <a:r>
-              <a:rPr lang="en-US" smtClean="0"/>
+              <a:rPr lang="en-US"/>
               <a:t>Fifth level</a:t>
             </a:r>
             <a:endParaRPr lang="de-DE"/>
@@ -5546,7 +5545,7 @@
           <a:p>
             <a:pPr lvl="0"/>
             <a:r>
-              <a:rPr lang="en-US" smtClean="0"/>
+              <a:rPr lang="en-US"/>
               <a:t>Click to edit Master text styles</a:t>
             </a:r>
           </a:p>
@@ -5645,7 +5644,7 @@
           </a:lstStyle>
           <a:p>
             <a:r>
-              <a:rPr lang="en-US" smtClean="0"/>
+              <a:rPr lang="en-US"/>
               <a:t>Click to edit Master title style</a:t>
             </a:r>
             <a:endParaRPr lang="de-DE"/>
@@ -5710,7 +5709,7 @@
           </a:lstStyle>
           <a:p>
             <a:pPr lvl="0"/>
-            <a:endParaRPr lang="de-DE" noProof="0" smtClean="0"/>
+            <a:endParaRPr lang="de-DE" noProof="0"/>
           </a:p>
         </p:txBody>
       </p:sp>
@@ -5773,7 +5772,7 @@
           <a:p>
             <a:pPr lvl="0"/>
             <a:r>
-              <a:rPr lang="en-US" smtClean="0"/>
+              <a:rPr lang="en-US"/>
               <a:t>Click to edit Master text styles</a:t>
             </a:r>
           </a:p>
@@ -6061,7 +6060,7 @@
                 <a:spcPct val="0"/>
               </a:spcAft>
             </a:pPr>
-            <a:endParaRPr lang="en-US" altLang="en-US" sz="2000" smtClean="0">
+            <a:endParaRPr lang="en-US" altLang="en-US" sz="2000">
               <a:solidFill>
                 <a:srgbClr val="153B63"/>
               </a:solidFill>
@@ -6118,7 +6117,7 @@
                 <a:spcPct val="0"/>
               </a:spcAft>
             </a:pPr>
-            <a:endParaRPr lang="en-US" sz="2000" smtClean="0">
+            <a:endParaRPr lang="en-US" sz="2000">
               <a:solidFill>
                 <a:srgbClr val="000000"/>
               </a:solidFill>
@@ -6175,7 +6174,7 @@
                 <a:spcPct val="0"/>
               </a:spcAft>
             </a:pPr>
-            <a:endParaRPr lang="en-US" sz="2000" smtClean="0">
+            <a:endParaRPr lang="en-US" sz="2000">
               <a:solidFill>
                 <a:srgbClr val="000000"/>
               </a:solidFill>
@@ -6238,7 +6237,7 @@
           <a:p>
             <a:pPr lvl="0"/>
             <a:r>
-              <a:rPr lang="de-DE" altLang="en-US" smtClean="0"/>
+              <a:rPr lang="de-DE" altLang="en-US"/>
               <a:t>Titelmasterformat durch Klicken bearbeiten</a:t>
             </a:r>
           </a:p>
@@ -6299,35 +6298,35 @@
           <a:p>
             <a:pPr lvl="0"/>
             <a:r>
-              <a:rPr lang="de-DE" altLang="en-US" smtClean="0"/>
+              <a:rPr lang="de-DE" altLang="en-US"/>
               <a:t>Textmasterformate durch Klicken bearbeiten</a:t>
             </a:r>
           </a:p>
           <a:p>
             <a:pPr lvl="1"/>
             <a:r>
-              <a:rPr lang="de-DE" altLang="en-US" smtClean="0"/>
+              <a:rPr lang="de-DE" altLang="en-US"/>
               <a:t>Zweite Ebene</a:t>
             </a:r>
           </a:p>
           <a:p>
             <a:pPr lvl="2"/>
             <a:r>
-              <a:rPr lang="de-DE" altLang="en-US" smtClean="0"/>
+              <a:rPr lang="de-DE" altLang="en-US"/>
               <a:t>Dritte Ebene</a:t>
             </a:r>
           </a:p>
           <a:p>
             <a:pPr lvl="3"/>
             <a:r>
-              <a:rPr lang="de-DE" altLang="en-US" smtClean="0"/>
+              <a:rPr lang="de-DE" altLang="en-US"/>
               <a:t>Vierte Ebene</a:t>
             </a:r>
           </a:p>
           <a:p>
             <a:pPr lvl="4"/>
             <a:r>
-              <a:rPr lang="de-DE" altLang="en-US" smtClean="0"/>
+              <a:rPr lang="de-DE" altLang="en-US"/>
               <a:t>Fünfte Ebene</a:t>
             </a:r>
           </a:p>
@@ -7416,39 +7415,7 @@
                   <a:srgbClr val="707070"/>
                 </a:solidFill>
               </a:rPr>
-              <a:t>Internal  | </a:t>
-            </a:r>
-            <a:r>
-              <a:rPr lang="en-US" altLang="en-US" sz="778" dirty="0" smtClean="0">
-                <a:solidFill>
-                  <a:srgbClr val="707070"/>
-                </a:solidFill>
-              </a:rPr>
-              <a:t>Sabareesh SS (ECA36) </a:t>
-            </a:r>
-            <a:r>
-              <a:rPr lang="en-US" altLang="en-US" sz="778" dirty="0">
-                <a:solidFill>
-                  <a:srgbClr val="707070"/>
-                </a:solidFill>
-              </a:rPr>
-              <a:t>| </a:t>
-            </a:r>
-            <a:r>
-              <a:rPr lang="en-US" altLang="en-US" sz="778" dirty="0" smtClean="0">
-                <a:solidFill>
-                  <a:srgbClr val="707070"/>
-                </a:solidFill>
-              </a:rPr>
-              <a:t>23/08/2016 </a:t>
-            </a:r>
-            <a:r>
-              <a:rPr lang="en-US" altLang="en-US" sz="778" dirty="0">
-                <a:solidFill>
-                  <a:srgbClr val="707070"/>
-                </a:solidFill>
-              </a:rPr>
-              <a:t>| ©  Robert Bosch Engineering and Business Solutions Limited 2011. All rights reserved, also regarding any disposal, exploitation, reproduction, editing, distribution, as well as in the event of applications for industrial property rights.</a:t>
+              <a:t>Internal  | Sabareesh SS (ECA36) | 23/08/2016 | ©  Robert Bosch Engineering and Business Solutions Limited 2011. All rights reserved, also regarding any disposal, exploitation, reproduction, editing, distribution, as well as in the event of applications for industrial property rights.</a:t>
             </a:r>
             <a:endParaRPr lang="de-DE" altLang="en-US" sz="778" dirty="0">
               <a:solidFill>
@@ -8992,7 +8959,7 @@
           <a:bodyPr/>
           <a:lstStyle/>
           <a:p>
-            <a:endParaRPr lang="en-GB" altLang="en-US" smtClean="0"/>
+            <a:endParaRPr lang="en-GB" altLang="en-US"/>
           </a:p>
         </p:txBody>
       </p:sp>
@@ -9236,7 +9203,7 @@
               <a:buNone/>
             </a:pPr>
             <a:r>
-              <a:rPr lang="de-DE" altLang="en-US" sz="3111" dirty="0" smtClean="0">
+              <a:rPr lang="de-DE" altLang="en-US" sz="3111" dirty="0">
                 <a:solidFill>
                   <a:srgbClr val="000000"/>
                 </a:solidFill>
@@ -9244,7 +9211,7 @@
               <a:t>		</a:t>
             </a:r>
             <a:r>
-              <a:rPr lang="de-DE" altLang="en-US" sz="3200" b="1" dirty="0" smtClean="0">
+              <a:rPr lang="de-DE" altLang="en-US" sz="3200" b="1" dirty="0">
                 <a:solidFill>
                   <a:srgbClr val="000000"/>
                 </a:solidFill>
@@ -9252,36 +9219,12 @@
               <a:t>C</a:t>
             </a:r>
             <a:r>
-              <a:rPr lang="en-US" sz="3200" b="1" dirty="0" smtClean="0">
+              <a:rPr lang="en-US" sz="3200" b="1" dirty="0">
                 <a:solidFill>
                   <a:srgbClr val="000000"/>
                 </a:solidFill>
               </a:rPr>
-              <a:t>C </a:t>
-            </a:r>
-            <a:r>
-              <a:rPr lang="en-US" sz="3200" b="1" dirty="0">
-                <a:solidFill>
-                  <a:srgbClr val="000000"/>
-                </a:solidFill>
-              </a:rPr>
-              <a:t>- GIT </a:t>
-            </a:r>
-            <a:r>
-              <a:rPr lang="en-US" sz="3200" b="1" dirty="0" smtClean="0">
-                <a:solidFill>
-                  <a:srgbClr val="000000"/>
-                </a:solidFill>
-              </a:rPr>
-              <a:t>Migration </a:t>
-            </a:r>
-            <a:r>
-              <a:rPr lang="en-US" sz="3200" b="1" dirty="0">
-                <a:solidFill>
-                  <a:srgbClr val="000000"/>
-                </a:solidFill>
-              </a:rPr>
-              <a:t>Approach</a:t>
+              <a:t>C - GIT Migration Approach</a:t>
             </a:r>
             <a:endParaRPr lang="de-DE" altLang="en-US" sz="3200" b="1" dirty="0">
               <a:solidFill>
@@ -9304,13 +9247,6 @@
   <p:clrMapOvr>
     <a:masterClrMapping/>
   </p:clrMapOvr>
-  <p:timing>
-    <p:tnLst>
-      <p:par>
-        <p:cTn id="1" dur="indefinite" restart="never" nodeType="tmRoot"/>
-      </p:par>
-    </p:tnLst>
-  </p:timing>
 </p:sld>
 </file>
 
@@ -11119,7 +11055,7 @@
           <a:bodyPr/>
           <a:lstStyle/>
           <a:p>
-            <a:endParaRPr lang="en-GB" altLang="en-US" smtClean="0"/>
+            <a:endParaRPr lang="en-GB" altLang="en-US"/>
           </a:p>
         </p:txBody>
       </p:sp>
@@ -11363,7 +11299,7 @@
               <a:buNone/>
             </a:pPr>
             <a:r>
-              <a:rPr lang="de-DE" altLang="en-US" sz="3111" dirty="0" smtClean="0">
+              <a:rPr lang="de-DE" altLang="en-US" sz="3111" dirty="0">
                 <a:solidFill>
                   <a:srgbClr val="000000"/>
                 </a:solidFill>
@@ -11371,20 +11307,12 @@
               <a:t>	</a:t>
             </a:r>
             <a:r>
-              <a:rPr lang="en-US" sz="2800" dirty="0" smtClean="0">
+              <a:rPr lang="en-US" sz="2800" dirty="0">
                 <a:solidFill>
                   <a:srgbClr val="000000"/>
                 </a:solidFill>
               </a:rPr>
-              <a:t>For </a:t>
-            </a:r>
-            <a:r>
-              <a:rPr lang="en-US" sz="2800" dirty="0">
-                <a:solidFill>
-                  <a:srgbClr val="000000"/>
-                </a:solidFill>
-              </a:rPr>
-              <a:t>Migration with history and latest data</a:t>
+              <a:t>For Migration with history and latest data</a:t>
             </a:r>
           </a:p>
           <a:p>
@@ -11392,20 +11320,12 @@
               <a:buNone/>
             </a:pPr>
             <a:r>
-              <a:rPr lang="en-US" sz="3200" dirty="0" smtClean="0">
+              <a:rPr lang="en-US" sz="3200" dirty="0">
                 <a:solidFill>
                   <a:srgbClr val="000000"/>
                 </a:solidFill>
               </a:rPr>
-              <a:t>    Clearcase </a:t>
-            </a:r>
-            <a:r>
-              <a:rPr lang="en-US" sz="3200" dirty="0">
-                <a:solidFill>
-                  <a:srgbClr val="000000"/>
-                </a:solidFill>
-              </a:rPr>
-              <a:t>cannot be mapped 1:1 to Git</a:t>
+              <a:t>    Clearcase cannot be mapped 1:1 to Git</a:t>
             </a:r>
           </a:p>
           <a:p>
@@ -11679,39 +11599,7 @@
                   <a:srgbClr val="707070"/>
                 </a:solidFill>
               </a:rPr>
-              <a:t>Internal  | </a:t>
-            </a:r>
-            <a:r>
-              <a:rPr lang="en-US" altLang="en-US" sz="778" dirty="0" smtClean="0">
-                <a:solidFill>
-                  <a:srgbClr val="707070"/>
-                </a:solidFill>
-              </a:rPr>
-              <a:t>Sabareesh SS (ECA36) </a:t>
-            </a:r>
-            <a:r>
-              <a:rPr lang="en-US" altLang="en-US" sz="778" dirty="0">
-                <a:solidFill>
-                  <a:srgbClr val="707070"/>
-                </a:solidFill>
-              </a:rPr>
-              <a:t>| </a:t>
-            </a:r>
-            <a:r>
-              <a:rPr lang="en-US" altLang="en-US" sz="778" dirty="0" smtClean="0">
-                <a:solidFill>
-                  <a:srgbClr val="707070"/>
-                </a:solidFill>
-              </a:rPr>
-              <a:t>23/08/2016 </a:t>
-            </a:r>
-            <a:r>
-              <a:rPr lang="en-US" altLang="en-US" sz="778" dirty="0">
-                <a:solidFill>
-                  <a:srgbClr val="707070"/>
-                </a:solidFill>
-              </a:rPr>
-              <a:t>| ©  Robert Bosch Engineering and Business Solutions Limited 2011. All rights reserved, also regarding any disposal, exploitation, reproduction, editing, distribution, as well as in the event of applications for industrial property rights.</a:t>
+              <a:t>Internal  | Sabareesh SS (ECA36) | 23/08/2016 | ©  Robert Bosch Engineering and Business Solutions Limited 2011. All rights reserved, also regarding any disposal, exploitation, reproduction, editing, distribution, as well as in the event of applications for industrial property rights.</a:t>
             </a:r>
             <a:endParaRPr lang="de-DE" altLang="en-US" sz="778" dirty="0">
               <a:solidFill>
@@ -11734,13 +11622,6 @@
   <p:clrMapOvr>
     <a:masterClrMapping/>
   </p:clrMapOvr>
-  <p:timing>
-    <p:tnLst>
-      <p:par>
-        <p:cTn id="1" dur="indefinite" restart="never" nodeType="tmRoot"/>
-      </p:par>
-    </p:tnLst>
-  </p:timing>
 </p:sld>
 </file>
 
@@ -12257,7 +12138,7 @@
               <a:buNone/>
             </a:pPr>
             <a:r>
-              <a:rPr lang="de-DE" altLang="en-US" sz="2000" dirty="0" smtClean="0">
+              <a:rPr lang="de-DE" altLang="en-US" sz="2000" dirty="0">
                 <a:solidFill>
                   <a:srgbClr val="FFFFFF"/>
                 </a:solidFill>
@@ -13301,7 +13182,7 @@
               </a:lnSpc>
               <a:buNone/>
             </a:pPr>
-            <a:endParaRPr lang="en-US" sz="1400" b="1" dirty="0" smtClean="0">
+            <a:endParaRPr lang="en-US" sz="1400" b="1" dirty="0">
               <a:solidFill>
                 <a:srgbClr val="098BDB"/>
               </a:solidFill>
@@ -13336,18 +13217,7 @@
                 <a:ea typeface="+mn-ea"/>
                 <a:cs typeface="+mn-cs"/>
               </a:rPr>
-              <a:t>Latest </a:t>
-            </a:r>
-            <a:r>
-              <a:rPr lang="en-US" sz="1600" b="1" kern="1200" dirty="0">
-                <a:solidFill>
-                  <a:srgbClr val="000000"/>
-                </a:solidFill>
-                <a:latin typeface="Bosch Office Sans" panose="020B0604020202020204" pitchFamily="34" charset="0"/>
-                <a:ea typeface="+mn-ea"/>
-                <a:cs typeface="+mn-cs"/>
-              </a:rPr>
-              <a:t>Data and Incremental Data Migration</a:t>
+              <a:t>Latest Data and Incremental Data Migration</a:t>
             </a:r>
           </a:p>
           <a:p>
@@ -13573,14 +13443,14 @@
               <a:buFont typeface="Wingdings" pitchFamily="2" charset="2"/>
               <a:buNone/>
             </a:pPr>
-            <a:endParaRPr lang="en-GB" altLang="en-US" sz="889" b="1" dirty="0" smtClean="0"/>
+            <a:endParaRPr lang="en-GB" altLang="en-US" sz="889" b="1" dirty="0"/>
           </a:p>
           <a:p>
             <a:pPr>
               <a:buFont typeface="Wingdings" pitchFamily="2" charset="2"/>
               <a:buNone/>
             </a:pPr>
-            <a:endParaRPr lang="en-GB" altLang="en-US" sz="889" dirty="0" smtClean="0">
+            <a:endParaRPr lang="en-GB" altLang="en-US" sz="889" dirty="0">
               <a:solidFill>
                 <a:srgbClr val="0000CC"/>
               </a:solidFill>
@@ -13632,10 +13502,9 @@
           <a:p>
             <a:pPr algn="ctr"/>
             <a:r>
-              <a:rPr lang="en-US" dirty="0" smtClean="0"/>
+              <a:rPr lang="en-US" dirty="0"/>
               <a:t>Clearcase</a:t>
             </a:r>
-            <a:endParaRPr lang="en-US" dirty="0"/>
           </a:p>
         </p:txBody>
       </p:sp>
@@ -13676,10 +13545,9 @@
           <a:p>
             <a:pPr algn="ctr"/>
             <a:r>
-              <a:rPr lang="en-US" dirty="0" smtClean="0"/>
+              <a:rPr lang="en-US" dirty="0"/>
               <a:t>Subversion</a:t>
             </a:r>
-            <a:endParaRPr lang="en-US" dirty="0"/>
           </a:p>
         </p:txBody>
       </p:sp>
@@ -13720,10 +13588,9 @@
           <a:p>
             <a:pPr algn="ctr"/>
             <a:r>
-              <a:rPr lang="en-US" dirty="0" smtClean="0"/>
+              <a:rPr lang="en-US" dirty="0"/>
               <a:t>Git</a:t>
             </a:r>
-            <a:endParaRPr lang="en-US" dirty="0"/>
           </a:p>
         </p:txBody>
       </p:sp>
@@ -14054,39 +13921,7 @@
                   <a:srgbClr val="707070"/>
                 </a:solidFill>
               </a:rPr>
-              <a:t>Internal  | </a:t>
-            </a:r>
-            <a:r>
-              <a:rPr lang="en-US" altLang="en-US" sz="778" dirty="0" smtClean="0">
-                <a:solidFill>
-                  <a:srgbClr val="707070"/>
-                </a:solidFill>
-              </a:rPr>
-              <a:t>Sabareesh SS (ECA36) </a:t>
-            </a:r>
-            <a:r>
-              <a:rPr lang="en-US" altLang="en-US" sz="778" dirty="0">
-                <a:solidFill>
-                  <a:srgbClr val="707070"/>
-                </a:solidFill>
-              </a:rPr>
-              <a:t>| </a:t>
-            </a:r>
-            <a:r>
-              <a:rPr lang="en-US" altLang="en-US" sz="778" dirty="0" smtClean="0">
-                <a:solidFill>
-                  <a:srgbClr val="707070"/>
-                </a:solidFill>
-              </a:rPr>
-              <a:t>23/08/2016 </a:t>
-            </a:r>
-            <a:r>
-              <a:rPr lang="en-US" altLang="en-US" sz="778" dirty="0">
-                <a:solidFill>
-                  <a:srgbClr val="707070"/>
-                </a:solidFill>
-              </a:rPr>
-              <a:t>| ©  Robert Bosch Engineering and Business Solutions Limited 2011. All rights reserved, also regarding any disposal, exploitation, reproduction, editing, distribution, as well as in the event of applications for industrial property rights.</a:t>
+              <a:t>Internal  | Sabareesh SS (ECA36) | 23/08/2016 | ©  Robert Bosch Engineering and Business Solutions Limited 2011. All rights reserved, also regarding any disposal, exploitation, reproduction, editing, distribution, as well as in the event of applications for industrial property rights.</a:t>
             </a:r>
             <a:endParaRPr lang="de-DE" altLang="en-US" sz="778" dirty="0">
               <a:solidFill>
@@ -14109,13 +13944,6 @@
   <p:clrMapOvr>
     <a:masterClrMapping/>
   </p:clrMapOvr>
-  <p:timing>
-    <p:tnLst>
-      <p:par>
-        <p:cTn id="1" dur="indefinite" restart="never" nodeType="tmRoot"/>
-      </p:par>
-    </p:tnLst>
-  </p:timing>
 </p:sld>
 </file>
 
@@ -14632,7 +14460,7 @@
               <a:buNone/>
             </a:pPr>
             <a:r>
-              <a:rPr lang="en-US" sz="2000" dirty="0" smtClean="0">
+              <a:rPr lang="en-US" sz="2000" dirty="0">
                 <a:solidFill>
                   <a:srgbClr val="FFFFFF"/>
                 </a:solidFill>
@@ -15676,7 +15504,7 @@
               </a:lnSpc>
               <a:buNone/>
             </a:pPr>
-            <a:endParaRPr lang="en-US" sz="1400" b="1" dirty="0" smtClean="0">
+            <a:endParaRPr lang="en-US" sz="1400" b="1" dirty="0">
               <a:solidFill>
                 <a:srgbClr val="098BDB"/>
               </a:solidFill>
@@ -15742,7 +15570,7 @@
               </a:lnSpc>
             </a:pPr>
             <a:r>
-              <a:rPr lang="en-US" sz="1600" kern="1200" dirty="0" smtClean="0">
+              <a:rPr lang="en-US" sz="1600" kern="1200" dirty="0">
                 <a:solidFill>
                   <a:srgbClr val="000000"/>
                 </a:solidFill>
@@ -15856,7 +15684,7 @@
               <a:buFont typeface="Wingdings" pitchFamily="2" charset="2"/>
               <a:buNone/>
             </a:pPr>
-            <a:endParaRPr lang="en-GB" altLang="en-US" sz="889" dirty="0" smtClean="0">
+            <a:endParaRPr lang="en-GB" altLang="en-US" sz="889" dirty="0">
               <a:solidFill>
                 <a:srgbClr val="0000CC"/>
               </a:solidFill>
@@ -16118,39 +15946,7 @@
                   <a:srgbClr val="707070"/>
                 </a:solidFill>
               </a:rPr>
-              <a:t>Internal  | </a:t>
-            </a:r>
-            <a:r>
-              <a:rPr lang="en-US" altLang="en-US" sz="778" dirty="0" smtClean="0">
-                <a:solidFill>
-                  <a:srgbClr val="707070"/>
-                </a:solidFill>
-              </a:rPr>
-              <a:t>Sabareesh SS (ECA36) </a:t>
-            </a:r>
-            <a:r>
-              <a:rPr lang="en-US" altLang="en-US" sz="778" dirty="0">
-                <a:solidFill>
-                  <a:srgbClr val="707070"/>
-                </a:solidFill>
-              </a:rPr>
-              <a:t>| </a:t>
-            </a:r>
-            <a:r>
-              <a:rPr lang="en-US" altLang="en-US" sz="778" dirty="0" smtClean="0">
-                <a:solidFill>
-                  <a:srgbClr val="707070"/>
-                </a:solidFill>
-              </a:rPr>
-              <a:t>23/08/2016 </a:t>
-            </a:r>
-            <a:r>
-              <a:rPr lang="en-US" altLang="en-US" sz="778" dirty="0">
-                <a:solidFill>
-                  <a:srgbClr val="707070"/>
-                </a:solidFill>
-              </a:rPr>
-              <a:t>| ©  Robert Bosch Engineering and Business Solutions Limited 2011. All rights reserved, also regarding any disposal, exploitation, reproduction, editing, distribution, as well as in the event of applications for industrial property rights.</a:t>
+              <a:t>Internal  | Sabareesh SS (ECA36) | 23/08/2016 | ©  Robert Bosch Engineering and Business Solutions Limited 2011. All rights reserved, also regarding any disposal, exploitation, reproduction, editing, distribution, as well as in the event of applications for industrial property rights.</a:t>
             </a:r>
             <a:endParaRPr lang="de-DE" altLang="en-US" sz="778" dirty="0">
               <a:solidFill>
@@ -16173,13 +15969,6 @@
   <p:clrMapOvr>
     <a:masterClrMapping/>
   </p:clrMapOvr>
-  <p:timing>
-    <p:tnLst>
-      <p:par>
-        <p:cTn id="1" dur="indefinite" restart="never" nodeType="tmRoot"/>
-      </p:par>
-    </p:tnLst>
-  </p:timing>
 </p:sld>
 </file>
 
@@ -16696,20 +16485,12 @@
               <a:buNone/>
             </a:pPr>
             <a:r>
-              <a:rPr lang="en-US" sz="2000" dirty="0" smtClean="0">
+              <a:rPr lang="en-US" sz="2000" dirty="0">
                 <a:solidFill>
                   <a:srgbClr val="FFFFFF"/>
                 </a:solidFill>
               </a:rPr>
-              <a:t>Migration  </a:t>
-            </a:r>
-            <a:r>
-              <a:rPr lang="en-US" sz="2000" dirty="0">
-                <a:solidFill>
-                  <a:srgbClr val="FFFFFF"/>
-                </a:solidFill>
-              </a:rPr>
-              <a:t>- BCC to SVN</a:t>
+              <a:t>Migration  - BCC to SVN</a:t>
             </a:r>
             <a:endParaRPr lang="en-GB" altLang="en-US" sz="2000" dirty="0">
               <a:solidFill>
@@ -17748,7 +17529,7 @@
               </a:lnSpc>
               <a:buNone/>
             </a:pPr>
-            <a:endParaRPr lang="en-US" sz="1400" b="1" dirty="0" smtClean="0">
+            <a:endParaRPr lang="en-US" sz="1400" b="1" dirty="0">
               <a:solidFill>
                 <a:srgbClr val="098BDB"/>
               </a:solidFill>
@@ -18037,8 +17818,27 @@
                 <a:ea typeface="+mn-ea"/>
                 <a:cs typeface="+mn-cs"/>
               </a:rPr>
-              <a:t>Validate Subversion Repository path.</a:t>
+              <a:t>Validate Subversion Repository </a:t>
             </a:r>
+            <a:r>
+              <a:rPr lang="en-US" sz="1600" kern="1200">
+                <a:solidFill>
+                  <a:srgbClr val="000000"/>
+                </a:solidFill>
+                <a:latin typeface="Bosch Office Sans" panose="020B0604020202020204" pitchFamily="34" charset="0"/>
+                <a:ea typeface="+mn-ea"/>
+                <a:cs typeface="+mn-cs"/>
+              </a:rPr>
+              <a:t>path.ffgfgfg</a:t>
+            </a:r>
+            <a:endParaRPr lang="en-US" sz="1600" kern="1200" dirty="0">
+              <a:solidFill>
+                <a:srgbClr val="000000"/>
+              </a:solidFill>
+              <a:latin typeface="Bosch Office Sans" panose="020B0604020202020204" pitchFamily="34" charset="0"/>
+              <a:ea typeface="+mn-ea"/>
+              <a:cs typeface="+mn-cs"/>
+            </a:endParaRPr>
           </a:p>
           <a:p>
             <a:pPr marL="359835" lvl="1" indent="0">
@@ -18061,7 +17861,7 @@
               <a:buFont typeface="Wingdings" pitchFamily="2" charset="2"/>
               <a:buNone/>
             </a:pPr>
-            <a:endParaRPr lang="en-GB" altLang="en-US" sz="889" dirty="0" smtClean="0">
+            <a:endParaRPr lang="en-GB" altLang="en-US" sz="889" dirty="0">
               <a:solidFill>
                 <a:srgbClr val="0000CC"/>
               </a:solidFill>
@@ -18323,39 +18123,7 @@
                   <a:srgbClr val="707070"/>
                 </a:solidFill>
               </a:rPr>
-              <a:t>Internal  | </a:t>
-            </a:r>
-            <a:r>
-              <a:rPr lang="en-US" altLang="en-US" sz="778" dirty="0" smtClean="0">
-                <a:solidFill>
-                  <a:srgbClr val="707070"/>
-                </a:solidFill>
-              </a:rPr>
-              <a:t>Sabareesh SS (ECA36) </a:t>
-            </a:r>
-            <a:r>
-              <a:rPr lang="en-US" altLang="en-US" sz="778" dirty="0">
-                <a:solidFill>
-                  <a:srgbClr val="707070"/>
-                </a:solidFill>
-              </a:rPr>
-              <a:t>| </a:t>
-            </a:r>
-            <a:r>
-              <a:rPr lang="en-US" altLang="en-US" sz="778" dirty="0" smtClean="0">
-                <a:solidFill>
-                  <a:srgbClr val="707070"/>
-                </a:solidFill>
-              </a:rPr>
-              <a:t>23/08/2016 </a:t>
-            </a:r>
-            <a:r>
-              <a:rPr lang="en-US" altLang="en-US" sz="778" dirty="0">
-                <a:solidFill>
-                  <a:srgbClr val="707070"/>
-                </a:solidFill>
-              </a:rPr>
-              <a:t>| ©  Robert Bosch Engineering and Business Solutions Limited 2011. All rights reserved, also regarding any disposal, exploitation, reproduction, editing, distribution, as well as in the event of applications for industrial property rights.</a:t>
+              <a:t>Internal  | Sabareesh SS (ECA36) | 23/08/2016 | ©  Robert Bosch Engineering and Business Solutions Limited 2011. All rights reserved, also regarding any disposal, exploitation, reproduction, editing, distribution, as well as in the event of applications for industrial property rights.</a:t>
             </a:r>
             <a:endParaRPr lang="de-DE" altLang="en-US" sz="778" dirty="0">
               <a:solidFill>
@@ -18378,13 +18146,6 @@
   <p:clrMapOvr>
     <a:masterClrMapping/>
   </p:clrMapOvr>
-  <p:timing>
-    <p:tnLst>
-      <p:par>
-        <p:cTn id="1" dur="indefinite" restart="never" nodeType="tmRoot"/>
-      </p:par>
-    </p:tnLst>
-  </p:timing>
 </p:sld>
 </file>
 
@@ -18901,20 +18662,12 @@
               <a:buNone/>
             </a:pPr>
             <a:r>
-              <a:rPr lang="en-US" sz="2000" dirty="0" smtClean="0">
+              <a:rPr lang="en-US" sz="2000" dirty="0">
                 <a:solidFill>
                   <a:srgbClr val="FFFFFF"/>
                 </a:solidFill>
               </a:rPr>
-              <a:t>Migration  </a:t>
-            </a:r>
-            <a:r>
-              <a:rPr lang="en-US" sz="2000" dirty="0">
-                <a:solidFill>
-                  <a:srgbClr val="FFFFFF"/>
-                </a:solidFill>
-              </a:rPr>
-              <a:t>- SVN to GIT</a:t>
+              <a:t>Migration  - SVN to GIT</a:t>
             </a:r>
             <a:endParaRPr lang="en-GB" altLang="en-US" sz="2000" dirty="0">
               <a:solidFill>
@@ -19969,34 +19722,16 @@
               </a:lnSpc>
             </a:pPr>
             <a:r>
-              <a:rPr lang="en-US" sz="1600" kern="1200" dirty="0" smtClean="0">
+              <a:rPr lang="en-US" sz="1600" kern="1200" dirty="0">
                 <a:solidFill>
                   <a:srgbClr val="000000"/>
                 </a:solidFill>
                 <a:latin typeface="Bosch Office Sans" panose="020B0604020202020204" pitchFamily="34" charset="0"/>
               </a:rPr>
-              <a:t>Each </a:t>
+              <a:t>Each clone in Git is a Replica</a:t>
             </a:r>
             <a:r>
               <a:rPr lang="en-US" sz="1600" kern="1200" dirty="0">
-                <a:solidFill>
-                  <a:srgbClr val="000000"/>
-                </a:solidFill>
-                <a:latin typeface="Bosch Office Sans" panose="020B0604020202020204" pitchFamily="34" charset="0"/>
-              </a:rPr>
-              <a:t>clone in Git is a </a:t>
-            </a:r>
-            <a:r>
-              <a:rPr lang="en-US" sz="1600" kern="1200" dirty="0" smtClean="0">
-                <a:solidFill>
-                  <a:srgbClr val="000000"/>
-                </a:solidFill>
-                <a:latin typeface="Bosch Office Sans" panose="020B0604020202020204" pitchFamily="34" charset="0"/>
-              </a:rPr>
-              <a:t>Replica</a:t>
-            </a:r>
-            <a:r>
-              <a:rPr lang="en-US" sz="1600" kern="1200" dirty="0" smtClean="0">
                 <a:solidFill>
                   <a:srgbClr val="000000"/>
                 </a:solidFill>
@@ -20006,14 +19741,6 @@
               </a:rPr>
               <a:t>.</a:t>
             </a:r>
-            <a:endParaRPr lang="en-US" sz="1600" kern="1200" dirty="0">
-              <a:solidFill>
-                <a:srgbClr val="000000"/>
-              </a:solidFill>
-              <a:latin typeface="Bosch Office Sans" panose="020B0604020202020204" pitchFamily="34" charset="0"/>
-              <a:ea typeface="+mn-ea"/>
-              <a:cs typeface="+mn-cs"/>
-            </a:endParaRPr>
           </a:p>
           <a:p>
             <a:pPr marL="342900" lvl="1" indent="0">
@@ -20182,20 +19909,9 @@
                 <a:ea typeface="+mn-ea"/>
                 <a:cs typeface="+mn-cs"/>
               </a:rPr>
-              <a:t>Validate the Git </a:t>
+              <a:t>Validate the Git Repository.</a:t>
             </a:r>
-            <a:r>
-              <a:rPr lang="en-US" sz="1600" kern="1200" dirty="0" smtClean="0">
-                <a:solidFill>
-                  <a:srgbClr val="000000"/>
-                </a:solidFill>
-                <a:latin typeface="Bosch Office Sans" panose="020B0604020202020204" pitchFamily="34" charset="0"/>
-                <a:ea typeface="+mn-ea"/>
-                <a:cs typeface="+mn-cs"/>
-              </a:rPr>
-              <a:t>Repository.</a:t>
-            </a:r>
-            <a:endParaRPr lang="en-GB" altLang="en-US" sz="889" dirty="0" smtClean="0">
+            <a:endParaRPr lang="en-GB" altLang="en-US" sz="889" dirty="0">
               <a:solidFill>
                 <a:srgbClr val="0000CC"/>
               </a:solidFill>
@@ -20457,39 +20173,7 @@
                   <a:srgbClr val="707070"/>
                 </a:solidFill>
               </a:rPr>
-              <a:t>Internal  | </a:t>
-            </a:r>
-            <a:r>
-              <a:rPr lang="en-US" altLang="en-US" sz="778" dirty="0" smtClean="0">
-                <a:solidFill>
-                  <a:srgbClr val="707070"/>
-                </a:solidFill>
-              </a:rPr>
-              <a:t>Sabareesh SS (ECA36) </a:t>
-            </a:r>
-            <a:r>
-              <a:rPr lang="en-US" altLang="en-US" sz="778" dirty="0">
-                <a:solidFill>
-                  <a:srgbClr val="707070"/>
-                </a:solidFill>
-              </a:rPr>
-              <a:t>| </a:t>
-            </a:r>
-            <a:r>
-              <a:rPr lang="en-US" altLang="en-US" sz="778" dirty="0" smtClean="0">
-                <a:solidFill>
-                  <a:srgbClr val="707070"/>
-                </a:solidFill>
-              </a:rPr>
-              <a:t>23/08/2016 </a:t>
-            </a:r>
-            <a:r>
-              <a:rPr lang="en-US" altLang="en-US" sz="778" dirty="0">
-                <a:solidFill>
-                  <a:srgbClr val="707070"/>
-                </a:solidFill>
-              </a:rPr>
-              <a:t>| ©  Robert Bosch Engineering and Business Solutions Limited 2011. All rights reserved, also regarding any disposal, exploitation, reproduction, editing, distribution, as well as in the event of applications for industrial property rights.</a:t>
+              <a:t>Internal  | Sabareesh SS (ECA36) | 23/08/2016 | ©  Robert Bosch Engineering and Business Solutions Limited 2011. All rights reserved, also regarding any disposal, exploitation, reproduction, editing, distribution, as well as in the event of applications for industrial property rights.</a:t>
             </a:r>
             <a:endParaRPr lang="de-DE" altLang="en-US" sz="778" dirty="0">
               <a:solidFill>
@@ -20512,13 +20196,6 @@
   <p:clrMapOvr>
     <a:masterClrMapping/>
   </p:clrMapOvr>
-  <p:timing>
-    <p:tnLst>
-      <p:par>
-        <p:cTn id="1" dur="indefinite" restart="never" nodeType="tmRoot"/>
-      </p:par>
-    </p:tnLst>
-  </p:timing>
 </p:sld>
 </file>
 
@@ -21035,7 +20712,7 @@
               <a:buNone/>
             </a:pPr>
             <a:r>
-              <a:rPr lang="en-US" sz="2000" dirty="0" smtClean="0">
+              <a:rPr lang="en-US" sz="2000" dirty="0">
                 <a:solidFill>
                   <a:srgbClr val="FFFFFF"/>
                 </a:solidFill>
@@ -22095,7 +21772,7 @@
               </a:lnSpc>
             </a:pPr>
             <a:r>
-              <a:rPr lang="en-US" sz="1600" kern="1200" dirty="0" smtClean="0">
+              <a:rPr lang="en-US" sz="1600" kern="1200" dirty="0">
                 <a:solidFill>
                   <a:srgbClr val="000000"/>
                 </a:solidFill>
@@ -22129,31 +21806,13 @@
               </a:lnSpc>
             </a:pPr>
             <a:r>
-              <a:rPr lang="en-US" sz="1600" kern="1200" dirty="0" smtClean="0">
+              <a:rPr lang="en-US" sz="1600" kern="1200" dirty="0">
                 <a:solidFill>
                   <a:srgbClr val="000000"/>
                 </a:solidFill>
                 <a:latin typeface="Bosch Office Sans" panose="020B0604020202020204" pitchFamily="34" charset="0"/>
               </a:rPr>
-              <a:t>There </a:t>
-            </a:r>
-            <a:r>
-              <a:rPr lang="en-US" sz="1600" kern="1200" dirty="0">
-                <a:solidFill>
-                  <a:srgbClr val="000000"/>
-                </a:solidFill>
-                <a:latin typeface="Bosch Office Sans" panose="020B0604020202020204" pitchFamily="34" charset="0"/>
-              </a:rPr>
-              <a:t>are No Check-in and Check-out commands in Git</a:t>
-            </a:r>
-            <a:r>
-              <a:rPr lang="en-US" sz="1600" kern="1200" dirty="0" smtClean="0">
-                <a:solidFill>
-                  <a:srgbClr val="000000"/>
-                </a:solidFill>
-                <a:latin typeface="Bosch Office Sans" panose="020B0604020202020204" pitchFamily="34" charset="0"/>
-              </a:rPr>
-              <a:t>.</a:t>
+              <a:t>There are No Check-in and Check-out commands in Git.</a:t>
             </a:r>
           </a:p>
           <a:p>
@@ -22211,22 +21870,13 @@
               </a:lnSpc>
             </a:pPr>
             <a:r>
-              <a:rPr lang="en-US" sz="1600" kern="1200" dirty="0" smtClean="0">
+              <a:rPr lang="en-US" sz="1600" kern="1200" dirty="0">
                 <a:solidFill>
                   <a:srgbClr val="000000"/>
                 </a:solidFill>
                 <a:latin typeface="Bosch Office Sans" panose="020B0604020202020204" pitchFamily="34" charset="0"/>
               </a:rPr>
-              <a:t>There </a:t>
-            </a:r>
-            <a:r>
-              <a:rPr lang="en-US" sz="1600" kern="1200" dirty="0">
-                <a:solidFill>
-                  <a:srgbClr val="000000"/>
-                </a:solidFill>
-                <a:latin typeface="Bosch Office Sans" panose="020B0604020202020204" pitchFamily="34" charset="0"/>
-              </a:rPr>
-              <a:t>is No file based access control in Git.</a:t>
+              <a:t>There is No file based access control in Git.</a:t>
             </a:r>
           </a:p>
           <a:p>
@@ -22236,7 +21886,7 @@
               </a:lnSpc>
               <a:buNone/>
             </a:pPr>
-            <a:endParaRPr lang="en-GB" altLang="en-US" sz="889" dirty="0" smtClean="0">
+            <a:endParaRPr lang="en-GB" altLang="en-US" sz="889" dirty="0">
               <a:solidFill>
                 <a:srgbClr val="0000CC"/>
               </a:solidFill>
@@ -22498,39 +22148,7 @@
                   <a:srgbClr val="707070"/>
                 </a:solidFill>
               </a:rPr>
-              <a:t>Internal  | </a:t>
-            </a:r>
-            <a:r>
-              <a:rPr lang="en-US" altLang="en-US" sz="778" dirty="0" smtClean="0">
-                <a:solidFill>
-                  <a:srgbClr val="707070"/>
-                </a:solidFill>
-              </a:rPr>
-              <a:t>Sabareesh SS (ECA36) </a:t>
-            </a:r>
-            <a:r>
-              <a:rPr lang="en-US" altLang="en-US" sz="778" dirty="0">
-                <a:solidFill>
-                  <a:srgbClr val="707070"/>
-                </a:solidFill>
-              </a:rPr>
-              <a:t>| </a:t>
-            </a:r>
-            <a:r>
-              <a:rPr lang="en-US" altLang="en-US" sz="778" dirty="0" smtClean="0">
-                <a:solidFill>
-                  <a:srgbClr val="707070"/>
-                </a:solidFill>
-              </a:rPr>
-              <a:t>23/08/2016 </a:t>
-            </a:r>
-            <a:r>
-              <a:rPr lang="en-US" altLang="en-US" sz="778" dirty="0">
-                <a:solidFill>
-                  <a:srgbClr val="707070"/>
-                </a:solidFill>
-              </a:rPr>
-              <a:t>| ©  Robert Bosch Engineering and Business Solutions Limited 2011. All rights reserved, also regarding any disposal, exploitation, reproduction, editing, distribution, as well as in the event of applications for industrial property rights.</a:t>
+              <a:t>Internal  | Sabareesh SS (ECA36) | 23/08/2016 | ©  Robert Bosch Engineering and Business Solutions Limited 2011. All rights reserved, also regarding any disposal, exploitation, reproduction, editing, distribution, as well as in the event of applications for industrial property rights.</a:t>
             </a:r>
             <a:endParaRPr lang="de-DE" altLang="en-US" sz="778" dirty="0">
               <a:solidFill>
@@ -22553,13 +22171,6 @@
   <p:clrMapOvr>
     <a:masterClrMapping/>
   </p:clrMapOvr>
-  <p:timing>
-    <p:tnLst>
-      <p:par>
-        <p:cTn id="1" dur="indefinite" restart="never" nodeType="tmRoot"/>
-      </p:par>
-    </p:tnLst>
-  </p:timing>
 </p:sld>
 </file>
 
@@ -23863,7 +23474,7 @@
               </a:lnSpc>
               <a:buNone/>
             </a:pPr>
-            <a:endParaRPr lang="en-GB" altLang="en-US" sz="889" dirty="0" smtClean="0">
+            <a:endParaRPr lang="en-GB" altLang="en-US" sz="889" dirty="0">
               <a:solidFill>
                 <a:srgbClr val="0000CC"/>
               </a:solidFill>
@@ -24125,39 +23736,7 @@
                   <a:srgbClr val="707070"/>
                 </a:solidFill>
               </a:rPr>
-              <a:t>Internal  | </a:t>
-            </a:r>
-            <a:r>
-              <a:rPr lang="en-US" altLang="en-US" sz="778" dirty="0" smtClean="0">
-                <a:solidFill>
-                  <a:srgbClr val="707070"/>
-                </a:solidFill>
-              </a:rPr>
-              <a:t>Sabareesh SS (ECA36) </a:t>
-            </a:r>
-            <a:r>
-              <a:rPr lang="en-US" altLang="en-US" sz="778" dirty="0">
-                <a:solidFill>
-                  <a:srgbClr val="707070"/>
-                </a:solidFill>
-              </a:rPr>
-              <a:t>| </a:t>
-            </a:r>
-            <a:r>
-              <a:rPr lang="en-US" altLang="en-US" sz="778" dirty="0" smtClean="0">
-                <a:solidFill>
-                  <a:srgbClr val="707070"/>
-                </a:solidFill>
-              </a:rPr>
-              <a:t>23/08/2016 </a:t>
-            </a:r>
-            <a:r>
-              <a:rPr lang="en-US" altLang="en-US" sz="778" dirty="0">
-                <a:solidFill>
-                  <a:srgbClr val="707070"/>
-                </a:solidFill>
-              </a:rPr>
-              <a:t>| ©  Robert Bosch Engineering and Business Solutions Limited 2011. All rights reserved, also regarding any disposal, exploitation, reproduction, editing, distribution, as well as in the event of applications for industrial property rights.</a:t>
+              <a:t>Internal  | Sabareesh SS (ECA36) | 23/08/2016 | ©  Robert Bosch Engineering and Business Solutions Limited 2011. All rights reserved, also regarding any disposal, exploitation, reproduction, editing, distribution, as well as in the event of applications for industrial property rights.</a:t>
             </a:r>
             <a:endParaRPr lang="de-DE" altLang="en-US" sz="778" dirty="0">
               <a:solidFill>
@@ -24433,20 +24012,12 @@
               <a:buNone/>
             </a:pPr>
             <a:r>
-              <a:rPr lang="en-US" sz="2000" dirty="0" smtClean="0">
+              <a:rPr lang="en-US" sz="2000" dirty="0">
                 <a:solidFill>
                   <a:srgbClr val="FFFFFF"/>
                 </a:solidFill>
               </a:rPr>
-              <a:t>Clearcase Vs </a:t>
-            </a:r>
-            <a:r>
-              <a:rPr lang="en-US" sz="2000" dirty="0">
-                <a:solidFill>
-                  <a:srgbClr val="FFFFFF"/>
-                </a:solidFill>
-              </a:rPr>
-              <a:t>GIT</a:t>
+              <a:t>Clearcase Vs GIT</a:t>
             </a:r>
             <a:endParaRPr lang="en-GB" altLang="en-US" sz="2000" dirty="0">
               <a:solidFill>
@@ -24469,13 +24040,6 @@
   <p:clrMapOvr>
     <a:masterClrMapping/>
   </p:clrMapOvr>
-  <p:timing>
-    <p:tnLst>
-      <p:par>
-        <p:cTn id="1" dur="indefinite" restart="never" nodeType="tmRoot"/>
-      </p:par>
-    </p:tnLst>
-  </p:timing>
 </p:sld>
 </file>
 
@@ -25780,7 +25344,7 @@
               <a:buNone/>
             </a:pPr>
             <a:r>
-              <a:rPr lang="en-US" kern="1200" dirty="0" smtClean="0">
+              <a:rPr lang="en-US" kern="1200" dirty="0">
                 <a:solidFill>
                   <a:srgbClr val="000000"/>
                 </a:solidFill>
@@ -25788,40 +25352,7 @@
                 <a:ea typeface="+mn-ea"/>
                 <a:cs typeface="+mn-cs"/>
               </a:rPr>
-              <a:t>The </a:t>
-            </a:r>
-            <a:r>
-              <a:rPr lang="en-US" kern="1200" dirty="0">
-                <a:solidFill>
-                  <a:srgbClr val="000000"/>
-                </a:solidFill>
-                <a:latin typeface="Bosch Office Sans" panose="020B0604020202020204" pitchFamily="34" charset="0"/>
-                <a:ea typeface="+mn-ea"/>
-                <a:cs typeface="+mn-cs"/>
-              </a:rPr>
-              <a:t>bottom-line in migration from Clearcase to Git is that it involves </a:t>
-            </a:r>
-            <a:r>
-              <a:rPr lang="en-US" kern="1200" dirty="0" smtClean="0">
-                <a:solidFill>
-                  <a:srgbClr val="000000"/>
-                </a:solidFill>
-                <a:latin typeface="Bosch Office Sans" panose="020B0604020202020204" pitchFamily="34" charset="0"/>
-                <a:ea typeface="+mn-ea"/>
-                <a:cs typeface="+mn-cs"/>
-              </a:rPr>
-              <a:t>some </a:t>
-            </a:r>
-            <a:r>
-              <a:rPr lang="en-US" kern="1200" dirty="0">
-                <a:solidFill>
-                  <a:srgbClr val="000000"/>
-                </a:solidFill>
-                <a:latin typeface="Bosch Office Sans" panose="020B0604020202020204" pitchFamily="34" charset="0"/>
-                <a:ea typeface="+mn-ea"/>
-                <a:cs typeface="+mn-cs"/>
-              </a:rPr>
-              <a:t>refactoring  and reorganization of the source code in order to have the manageable Git repositories.</a:t>
+              <a:t>The bottom-line in migration from Clearcase to Git is that it involves some refactoring  and reorganization of the source code in order to have the manageable Git repositories.</a:t>
             </a:r>
           </a:p>
           <a:p>
@@ -25830,7 +25361,7 @@
                 <a:spcPct val="70000"/>
               </a:lnSpc>
             </a:pPr>
-            <a:endParaRPr lang="en-GB" altLang="en-US" dirty="0" smtClean="0">
+            <a:endParaRPr lang="en-GB" altLang="en-US" dirty="0">
               <a:solidFill>
                 <a:srgbClr val="0000CC"/>
               </a:solidFill>
@@ -26092,39 +25623,7 @@
                   <a:srgbClr val="707070"/>
                 </a:solidFill>
               </a:rPr>
-              <a:t>Internal  | </a:t>
-            </a:r>
-            <a:r>
-              <a:rPr lang="en-US" altLang="en-US" sz="778" dirty="0" smtClean="0">
-                <a:solidFill>
-                  <a:srgbClr val="707070"/>
-                </a:solidFill>
-              </a:rPr>
-              <a:t>Sabareesh SS (ECA36) </a:t>
-            </a:r>
-            <a:r>
-              <a:rPr lang="en-US" altLang="en-US" sz="778" dirty="0">
-                <a:solidFill>
-                  <a:srgbClr val="707070"/>
-                </a:solidFill>
-              </a:rPr>
-              <a:t>| </a:t>
-            </a:r>
-            <a:r>
-              <a:rPr lang="en-US" altLang="en-US" sz="778" dirty="0" smtClean="0">
-                <a:solidFill>
-                  <a:srgbClr val="707070"/>
-                </a:solidFill>
-              </a:rPr>
-              <a:t>23/08/2016 </a:t>
-            </a:r>
-            <a:r>
-              <a:rPr lang="en-US" altLang="en-US" sz="778" dirty="0">
-                <a:solidFill>
-                  <a:srgbClr val="707070"/>
-                </a:solidFill>
-              </a:rPr>
-              <a:t>| ©  Robert Bosch Engineering and Business Solutions Limited 2011. All rights reserved, also regarding any disposal, exploitation, reproduction, editing, distribution, as well as in the event of applications for industrial property rights.</a:t>
+              <a:t>Internal  | Sabareesh SS (ECA36) | 23/08/2016 | ©  Robert Bosch Engineering and Business Solutions Limited 2011. All rights reserved, also regarding any disposal, exploitation, reproduction, editing, distribution, as well as in the event of applications for industrial property rights.</a:t>
             </a:r>
             <a:endParaRPr lang="de-DE" altLang="en-US" sz="778" dirty="0">
               <a:solidFill>
@@ -26147,13 +25646,6 @@
   <p:clrMapOvr>
     <a:masterClrMapping/>
   </p:clrMapOvr>
-  <p:timing>
-    <p:tnLst>
-      <p:par>
-        <p:cTn id="1" dur="indefinite" restart="never" nodeType="tmRoot"/>
-      </p:par>
-    </p:tnLst>
-  </p:timing>
 </p:sld>
 </file>
 
